--- a/doc/例图.pptx
+++ b/doc/例图.pptx
@@ -7,6 +7,7 @@
   <p:sldIdLst>
     <p:sldId id="256" r:id="rId2"/>
     <p:sldId id="257" r:id="rId3"/>
+    <p:sldId id="258" r:id="rId4"/>
   </p:sldIdLst>
   <p:sldSz cx="12192000" cy="6858000"/>
   <p:notesSz cx="6858000" cy="9144000"/>
@@ -260,7 +261,7 @@
           <a:p>
             <a:fld id="{48045B9F-A879-4380-B510-0030A9AB8EB6}" type="datetimeFigureOut">
               <a:rPr lang="zh-CN" altLang="en-US" smtClean="0"/>
-              <a:t>2025/9/15</a:t>
+              <a:t>2025/10/7</a:t>
             </a:fld>
             <a:endParaRPr lang="zh-CN" altLang="en-US"/>
           </a:p>
@@ -458,7 +459,7 @@
           <a:p>
             <a:fld id="{48045B9F-A879-4380-B510-0030A9AB8EB6}" type="datetimeFigureOut">
               <a:rPr lang="zh-CN" altLang="en-US" smtClean="0"/>
-              <a:t>2025/9/15</a:t>
+              <a:t>2025/10/7</a:t>
             </a:fld>
             <a:endParaRPr lang="zh-CN" altLang="en-US"/>
           </a:p>
@@ -666,7 +667,7 @@
           <a:p>
             <a:fld id="{48045B9F-A879-4380-B510-0030A9AB8EB6}" type="datetimeFigureOut">
               <a:rPr lang="zh-CN" altLang="en-US" smtClean="0"/>
-              <a:t>2025/9/15</a:t>
+              <a:t>2025/10/7</a:t>
             </a:fld>
             <a:endParaRPr lang="zh-CN" altLang="en-US"/>
           </a:p>
@@ -864,7 +865,7 @@
           <a:p>
             <a:fld id="{48045B9F-A879-4380-B510-0030A9AB8EB6}" type="datetimeFigureOut">
               <a:rPr lang="zh-CN" altLang="en-US" smtClean="0"/>
-              <a:t>2025/9/15</a:t>
+              <a:t>2025/10/7</a:t>
             </a:fld>
             <a:endParaRPr lang="zh-CN" altLang="en-US"/>
           </a:p>
@@ -1139,7 +1140,7 @@
           <a:p>
             <a:fld id="{48045B9F-A879-4380-B510-0030A9AB8EB6}" type="datetimeFigureOut">
               <a:rPr lang="zh-CN" altLang="en-US" smtClean="0"/>
-              <a:t>2025/9/15</a:t>
+              <a:t>2025/10/7</a:t>
             </a:fld>
             <a:endParaRPr lang="zh-CN" altLang="en-US"/>
           </a:p>
@@ -1404,7 +1405,7 @@
           <a:p>
             <a:fld id="{48045B9F-A879-4380-B510-0030A9AB8EB6}" type="datetimeFigureOut">
               <a:rPr lang="zh-CN" altLang="en-US" smtClean="0"/>
-              <a:t>2025/9/15</a:t>
+              <a:t>2025/10/7</a:t>
             </a:fld>
             <a:endParaRPr lang="zh-CN" altLang="en-US"/>
           </a:p>
@@ -1816,7 +1817,7 @@
           <a:p>
             <a:fld id="{48045B9F-A879-4380-B510-0030A9AB8EB6}" type="datetimeFigureOut">
               <a:rPr lang="zh-CN" altLang="en-US" smtClean="0"/>
-              <a:t>2025/9/15</a:t>
+              <a:t>2025/10/7</a:t>
             </a:fld>
             <a:endParaRPr lang="zh-CN" altLang="en-US"/>
           </a:p>
@@ -1957,7 +1958,7 @@
           <a:p>
             <a:fld id="{48045B9F-A879-4380-B510-0030A9AB8EB6}" type="datetimeFigureOut">
               <a:rPr lang="zh-CN" altLang="en-US" smtClean="0"/>
-              <a:t>2025/9/15</a:t>
+              <a:t>2025/10/7</a:t>
             </a:fld>
             <a:endParaRPr lang="zh-CN" altLang="en-US"/>
           </a:p>
@@ -2070,7 +2071,7 @@
           <a:p>
             <a:fld id="{48045B9F-A879-4380-B510-0030A9AB8EB6}" type="datetimeFigureOut">
               <a:rPr lang="zh-CN" altLang="en-US" smtClean="0"/>
-              <a:t>2025/9/15</a:t>
+              <a:t>2025/10/7</a:t>
             </a:fld>
             <a:endParaRPr lang="zh-CN" altLang="en-US"/>
           </a:p>
@@ -2381,7 +2382,7 @@
           <a:p>
             <a:fld id="{48045B9F-A879-4380-B510-0030A9AB8EB6}" type="datetimeFigureOut">
               <a:rPr lang="zh-CN" altLang="en-US" smtClean="0"/>
-              <a:t>2025/9/15</a:t>
+              <a:t>2025/10/7</a:t>
             </a:fld>
             <a:endParaRPr lang="zh-CN" altLang="en-US"/>
           </a:p>
@@ -2669,7 +2670,7 @@
           <a:p>
             <a:fld id="{48045B9F-A879-4380-B510-0030A9AB8EB6}" type="datetimeFigureOut">
               <a:rPr lang="zh-CN" altLang="en-US" smtClean="0"/>
-              <a:t>2025/9/15</a:t>
+              <a:t>2025/10/7</a:t>
             </a:fld>
             <a:endParaRPr lang="zh-CN" altLang="en-US"/>
           </a:p>
@@ -2910,7 +2911,7 @@
           <a:p>
             <a:fld id="{48045B9F-A879-4380-B510-0030A9AB8EB6}" type="datetimeFigureOut">
               <a:rPr lang="zh-CN" altLang="en-US" smtClean="0"/>
-              <a:t>2025/9/15</a:t>
+              <a:t>2025/10/7</a:t>
             </a:fld>
             <a:endParaRPr lang="zh-CN" altLang="en-US"/>
           </a:p>
@@ -4699,6 +4700,789 @@
 </p:sld>
 </file>
 
+<file path=ppt/slides/slide3.xml><?xml version="1.0" encoding="utf-8"?>
+<p:sld xmlns:a="http://schemas.openxmlformats.org/drawingml/2006/main" xmlns:r="http://schemas.openxmlformats.org/officeDocument/2006/relationships" xmlns:p="http://schemas.openxmlformats.org/presentationml/2006/main">
+  <p:cSld>
+    <p:spTree>
+      <p:nvGrpSpPr>
+        <p:cNvPr id="1" name=""/>
+        <p:cNvGrpSpPr/>
+        <p:nvPr/>
+      </p:nvGrpSpPr>
+      <p:grpSpPr>
+        <a:xfrm>
+          <a:off x="0" y="0"/>
+          <a:ext cx="0" cy="0"/>
+          <a:chOff x="0" y="0"/>
+          <a:chExt cx="0" cy="0"/>
+        </a:xfrm>
+      </p:grpSpPr>
+      <p:sp>
+        <p:nvSpPr>
+          <p:cNvPr id="2" name="椭圆 1">
+            <a:extLst>
+              <a:ext uri="{FF2B5EF4-FFF2-40B4-BE49-F238E27FC236}">
+                <a16:creationId xmlns:a16="http://schemas.microsoft.com/office/drawing/2014/main" id="{4A1A0CA2-E485-4116-89B3-F8715D684C16}"/>
+              </a:ext>
+            </a:extLst>
+          </p:cNvPr>
+          <p:cNvSpPr/>
+          <p:nvPr/>
+        </p:nvSpPr>
+        <p:spPr>
+          <a:xfrm>
+            <a:off x="4385953" y="261258"/>
+            <a:ext cx="2636322" cy="407719"/>
+          </a:xfrm>
+          <a:prstGeom prst="ellipse">
+            <a:avLst/>
+          </a:prstGeom>
+          <a:noFill/>
+        </p:spPr>
+        <p:style>
+          <a:lnRef idx="2">
+            <a:schemeClr val="accent1">
+              <a:shade val="50000"/>
+            </a:schemeClr>
+          </a:lnRef>
+          <a:fillRef idx="1">
+            <a:schemeClr val="accent1"/>
+          </a:fillRef>
+          <a:effectRef idx="0">
+            <a:schemeClr val="accent1"/>
+          </a:effectRef>
+          <a:fontRef idx="minor">
+            <a:schemeClr val="lt1"/>
+          </a:fontRef>
+        </p:style>
+        <p:txBody>
+          <a:bodyPr rtlCol="0" anchor="ctr"/>
+          <a:lstStyle/>
+          <a:p>
+            <a:pPr algn="ctr"/>
+            <a:r>
+              <a:rPr lang="en-US" altLang="zh-CN" sz="1200" dirty="0">
+                <a:solidFill>
+                  <a:srgbClr val="002060"/>
+                </a:solidFill>
+              </a:rPr>
+              <a:t>FrayHitStateManager2D</a:t>
+            </a:r>
+            <a:endParaRPr lang="zh-CN" altLang="en-US" sz="1200" dirty="0">
+              <a:solidFill>
+                <a:srgbClr val="002060"/>
+              </a:solidFill>
+            </a:endParaRPr>
+          </a:p>
+        </p:txBody>
+      </p:sp>
+      <p:sp>
+        <p:nvSpPr>
+          <p:cNvPr id="3" name="椭圆 2">
+            <a:extLst>
+              <a:ext uri="{FF2B5EF4-FFF2-40B4-BE49-F238E27FC236}">
+                <a16:creationId xmlns:a16="http://schemas.microsoft.com/office/drawing/2014/main" id="{04A4BD40-DA3B-4765-8675-D5DDF070B699}"/>
+              </a:ext>
+            </a:extLst>
+          </p:cNvPr>
+          <p:cNvSpPr/>
+          <p:nvPr/>
+        </p:nvSpPr>
+        <p:spPr>
+          <a:xfrm>
+            <a:off x="1698172" y="1007423"/>
+            <a:ext cx="1696192" cy="407719"/>
+          </a:xfrm>
+          <a:prstGeom prst="ellipse">
+            <a:avLst/>
+          </a:prstGeom>
+          <a:noFill/>
+        </p:spPr>
+        <p:style>
+          <a:lnRef idx="2">
+            <a:schemeClr val="accent1">
+              <a:shade val="50000"/>
+            </a:schemeClr>
+          </a:lnRef>
+          <a:fillRef idx="1">
+            <a:schemeClr val="accent1"/>
+          </a:fillRef>
+          <a:effectRef idx="0">
+            <a:schemeClr val="accent1"/>
+          </a:effectRef>
+          <a:fontRef idx="minor">
+            <a:schemeClr val="lt1"/>
+          </a:fontRef>
+        </p:style>
+        <p:txBody>
+          <a:bodyPr rtlCol="0" anchor="ctr"/>
+          <a:lstStyle/>
+          <a:p>
+            <a:pPr algn="ctr"/>
+            <a:r>
+              <a:rPr lang="en-US" altLang="zh-CN" sz="1200" dirty="0">
+                <a:solidFill>
+                  <a:srgbClr val="002060"/>
+                </a:solidFill>
+              </a:rPr>
+              <a:t>FrayHitState2D</a:t>
+            </a:r>
+            <a:endParaRPr lang="zh-CN" altLang="en-US" sz="1200" dirty="0">
+              <a:solidFill>
+                <a:srgbClr val="002060"/>
+              </a:solidFill>
+            </a:endParaRPr>
+          </a:p>
+        </p:txBody>
+      </p:sp>
+      <p:sp>
+        <p:nvSpPr>
+          <p:cNvPr id="4" name="椭圆 3">
+            <a:extLst>
+              <a:ext uri="{FF2B5EF4-FFF2-40B4-BE49-F238E27FC236}">
+                <a16:creationId xmlns:a16="http://schemas.microsoft.com/office/drawing/2014/main" id="{FD7C614C-948F-4411-920C-7623A63CCC56}"/>
+              </a:ext>
+            </a:extLst>
+          </p:cNvPr>
+          <p:cNvSpPr/>
+          <p:nvPr/>
+        </p:nvSpPr>
+        <p:spPr>
+          <a:xfrm>
+            <a:off x="4856018" y="1007423"/>
+            <a:ext cx="1696192" cy="407719"/>
+          </a:xfrm>
+          <a:prstGeom prst="ellipse">
+            <a:avLst/>
+          </a:prstGeom>
+          <a:noFill/>
+        </p:spPr>
+        <p:style>
+          <a:lnRef idx="2">
+            <a:schemeClr val="accent1">
+              <a:shade val="50000"/>
+            </a:schemeClr>
+          </a:lnRef>
+          <a:fillRef idx="1">
+            <a:schemeClr val="accent1"/>
+          </a:fillRef>
+          <a:effectRef idx="0">
+            <a:schemeClr val="accent1"/>
+          </a:effectRef>
+          <a:fontRef idx="minor">
+            <a:schemeClr val="lt1"/>
+          </a:fontRef>
+        </p:style>
+        <p:txBody>
+          <a:bodyPr rtlCol="0" anchor="ctr"/>
+          <a:lstStyle/>
+          <a:p>
+            <a:pPr algn="ctr"/>
+            <a:r>
+              <a:rPr lang="en-US" altLang="zh-CN" sz="1200" dirty="0">
+                <a:solidFill>
+                  <a:srgbClr val="002060"/>
+                </a:solidFill>
+              </a:rPr>
+              <a:t>FrayHitState2D</a:t>
+            </a:r>
+            <a:endParaRPr lang="zh-CN" altLang="en-US" sz="1200" dirty="0">
+              <a:solidFill>
+                <a:srgbClr val="002060"/>
+              </a:solidFill>
+            </a:endParaRPr>
+          </a:p>
+        </p:txBody>
+      </p:sp>
+      <p:sp>
+        <p:nvSpPr>
+          <p:cNvPr id="5" name="椭圆 4">
+            <a:extLst>
+              <a:ext uri="{FF2B5EF4-FFF2-40B4-BE49-F238E27FC236}">
+                <a16:creationId xmlns:a16="http://schemas.microsoft.com/office/drawing/2014/main" id="{119C8367-300E-4452-9139-B94463CEB846}"/>
+              </a:ext>
+            </a:extLst>
+          </p:cNvPr>
+          <p:cNvSpPr/>
+          <p:nvPr/>
+        </p:nvSpPr>
+        <p:spPr>
+          <a:xfrm>
+            <a:off x="8013864" y="1007423"/>
+            <a:ext cx="1696192" cy="407719"/>
+          </a:xfrm>
+          <a:prstGeom prst="ellipse">
+            <a:avLst/>
+          </a:prstGeom>
+          <a:noFill/>
+        </p:spPr>
+        <p:style>
+          <a:lnRef idx="2">
+            <a:schemeClr val="accent1">
+              <a:shade val="50000"/>
+            </a:schemeClr>
+          </a:lnRef>
+          <a:fillRef idx="1">
+            <a:schemeClr val="accent1"/>
+          </a:fillRef>
+          <a:effectRef idx="0">
+            <a:schemeClr val="accent1"/>
+          </a:effectRef>
+          <a:fontRef idx="minor">
+            <a:schemeClr val="lt1"/>
+          </a:fontRef>
+        </p:style>
+        <p:txBody>
+          <a:bodyPr rtlCol="0" anchor="ctr"/>
+          <a:lstStyle/>
+          <a:p>
+            <a:pPr algn="ctr"/>
+            <a:r>
+              <a:rPr lang="en-US" altLang="zh-CN" sz="1200" dirty="0">
+                <a:solidFill>
+                  <a:srgbClr val="002060"/>
+                </a:solidFill>
+              </a:rPr>
+              <a:t>FrayHitState2D</a:t>
+            </a:r>
+            <a:endParaRPr lang="zh-CN" altLang="en-US" sz="1200" dirty="0">
+              <a:solidFill>
+                <a:srgbClr val="002060"/>
+              </a:solidFill>
+            </a:endParaRPr>
+          </a:p>
+        </p:txBody>
+      </p:sp>
+      <p:sp>
+        <p:nvSpPr>
+          <p:cNvPr id="6" name="椭圆 5">
+            <a:extLst>
+              <a:ext uri="{FF2B5EF4-FFF2-40B4-BE49-F238E27FC236}">
+                <a16:creationId xmlns:a16="http://schemas.microsoft.com/office/drawing/2014/main" id="{68C1D407-6E90-451B-A97F-50447C600CF2}"/>
+              </a:ext>
+            </a:extLst>
+          </p:cNvPr>
+          <p:cNvSpPr/>
+          <p:nvPr/>
+        </p:nvSpPr>
+        <p:spPr>
+          <a:xfrm>
+            <a:off x="175161" y="2319646"/>
+            <a:ext cx="1379517" cy="407719"/>
+          </a:xfrm>
+          <a:prstGeom prst="ellipse">
+            <a:avLst/>
+          </a:prstGeom>
+          <a:noFill/>
+        </p:spPr>
+        <p:style>
+          <a:lnRef idx="2">
+            <a:schemeClr val="accent1">
+              <a:shade val="50000"/>
+            </a:schemeClr>
+          </a:lnRef>
+          <a:fillRef idx="1">
+            <a:schemeClr val="accent1"/>
+          </a:fillRef>
+          <a:effectRef idx="0">
+            <a:schemeClr val="accent1"/>
+          </a:effectRef>
+          <a:fontRef idx="minor">
+            <a:schemeClr val="lt1"/>
+          </a:fontRef>
+        </p:style>
+        <p:txBody>
+          <a:bodyPr rtlCol="0" anchor="ctr"/>
+          <a:lstStyle/>
+          <a:p>
+            <a:pPr algn="ctr"/>
+            <a:r>
+              <a:rPr lang="en-US" altLang="zh-CN" sz="1050" dirty="0">
+                <a:solidFill>
+                  <a:srgbClr val="002060"/>
+                </a:solidFill>
+              </a:rPr>
+              <a:t>FrayHitbox2D</a:t>
+            </a:r>
+            <a:endParaRPr lang="zh-CN" altLang="en-US" sz="1050" dirty="0">
+              <a:solidFill>
+                <a:srgbClr val="002060"/>
+              </a:solidFill>
+            </a:endParaRPr>
+          </a:p>
+        </p:txBody>
+      </p:sp>
+      <p:sp>
+        <p:nvSpPr>
+          <p:cNvPr id="7" name="椭圆 6">
+            <a:extLst>
+              <a:ext uri="{FF2B5EF4-FFF2-40B4-BE49-F238E27FC236}">
+                <a16:creationId xmlns:a16="http://schemas.microsoft.com/office/drawing/2014/main" id="{D6C81C0D-BD37-49D2-B0F0-8481D86CB7F8}"/>
+              </a:ext>
+            </a:extLst>
+          </p:cNvPr>
+          <p:cNvSpPr/>
+          <p:nvPr/>
+        </p:nvSpPr>
+        <p:spPr>
+          <a:xfrm>
+            <a:off x="1854531" y="2319646"/>
+            <a:ext cx="1379517" cy="407719"/>
+          </a:xfrm>
+          <a:prstGeom prst="ellipse">
+            <a:avLst/>
+          </a:prstGeom>
+          <a:noFill/>
+        </p:spPr>
+        <p:style>
+          <a:lnRef idx="2">
+            <a:schemeClr val="accent1">
+              <a:shade val="50000"/>
+            </a:schemeClr>
+          </a:lnRef>
+          <a:fillRef idx="1">
+            <a:schemeClr val="accent1"/>
+          </a:fillRef>
+          <a:effectRef idx="0">
+            <a:schemeClr val="accent1"/>
+          </a:effectRef>
+          <a:fontRef idx="minor">
+            <a:schemeClr val="lt1"/>
+          </a:fontRef>
+        </p:style>
+        <p:txBody>
+          <a:bodyPr rtlCol="0" anchor="ctr"/>
+          <a:lstStyle/>
+          <a:p>
+            <a:pPr algn="ctr"/>
+            <a:r>
+              <a:rPr lang="en-US" altLang="zh-CN" sz="1050" dirty="0">
+                <a:solidFill>
+                  <a:srgbClr val="002060"/>
+                </a:solidFill>
+              </a:rPr>
+              <a:t>FrayHitbox2D</a:t>
+            </a:r>
+            <a:endParaRPr lang="zh-CN" altLang="en-US" sz="1050" dirty="0">
+              <a:solidFill>
+                <a:srgbClr val="002060"/>
+              </a:solidFill>
+            </a:endParaRPr>
+          </a:p>
+        </p:txBody>
+      </p:sp>
+      <p:sp>
+        <p:nvSpPr>
+          <p:cNvPr id="9" name="椭圆 8">
+            <a:extLst>
+              <a:ext uri="{FF2B5EF4-FFF2-40B4-BE49-F238E27FC236}">
+                <a16:creationId xmlns:a16="http://schemas.microsoft.com/office/drawing/2014/main" id="{08CBA99D-9EA8-42B2-84D0-55EEFFBC5A88}"/>
+              </a:ext>
+            </a:extLst>
+          </p:cNvPr>
+          <p:cNvSpPr/>
+          <p:nvPr/>
+        </p:nvSpPr>
+        <p:spPr>
+          <a:xfrm>
+            <a:off x="3499262" y="2319646"/>
+            <a:ext cx="1379517" cy="407719"/>
+          </a:xfrm>
+          <a:prstGeom prst="ellipse">
+            <a:avLst/>
+          </a:prstGeom>
+          <a:noFill/>
+        </p:spPr>
+        <p:style>
+          <a:lnRef idx="2">
+            <a:schemeClr val="accent1">
+              <a:shade val="50000"/>
+            </a:schemeClr>
+          </a:lnRef>
+          <a:fillRef idx="1">
+            <a:schemeClr val="accent1"/>
+          </a:fillRef>
+          <a:effectRef idx="0">
+            <a:schemeClr val="accent1"/>
+          </a:effectRef>
+          <a:fontRef idx="minor">
+            <a:schemeClr val="lt1"/>
+          </a:fontRef>
+        </p:style>
+        <p:txBody>
+          <a:bodyPr rtlCol="0" anchor="ctr"/>
+          <a:lstStyle/>
+          <a:p>
+            <a:pPr algn="ctr"/>
+            <a:r>
+              <a:rPr lang="en-US" altLang="zh-CN" sz="1050" dirty="0">
+                <a:solidFill>
+                  <a:srgbClr val="002060"/>
+                </a:solidFill>
+              </a:rPr>
+              <a:t>FrayHitbox2D</a:t>
+            </a:r>
+            <a:endParaRPr lang="zh-CN" altLang="en-US" sz="1050" dirty="0">
+              <a:solidFill>
+                <a:srgbClr val="002060"/>
+              </a:solidFill>
+            </a:endParaRPr>
+          </a:p>
+        </p:txBody>
+      </p:sp>
+      <p:cxnSp>
+        <p:nvCxnSpPr>
+          <p:cNvPr id="11" name="直接箭头连接符 10">
+            <a:extLst>
+              <a:ext uri="{FF2B5EF4-FFF2-40B4-BE49-F238E27FC236}">
+                <a16:creationId xmlns:a16="http://schemas.microsoft.com/office/drawing/2014/main" id="{AFAEFF26-A526-4AC4-8BD2-73D3E6008800}"/>
+              </a:ext>
+            </a:extLst>
+          </p:cNvPr>
+          <p:cNvCxnSpPr>
+            <a:stCxn id="2" idx="4"/>
+            <a:endCxn id="3" idx="0"/>
+          </p:cNvCxnSpPr>
+          <p:nvPr/>
+        </p:nvCxnSpPr>
+        <p:spPr>
+          <a:xfrm flipH="1">
+            <a:off x="2546268" y="668977"/>
+            <a:ext cx="3157846" cy="338446"/>
+          </a:xfrm>
+          <a:prstGeom prst="straightConnector1">
+            <a:avLst/>
+          </a:prstGeom>
+          <a:ln>
+            <a:tailEnd type="triangle"/>
+          </a:ln>
+        </p:spPr>
+        <p:style>
+          <a:lnRef idx="1">
+            <a:schemeClr val="accent1"/>
+          </a:lnRef>
+          <a:fillRef idx="0">
+            <a:schemeClr val="accent1"/>
+          </a:fillRef>
+          <a:effectRef idx="0">
+            <a:schemeClr val="accent1"/>
+          </a:effectRef>
+          <a:fontRef idx="minor">
+            <a:schemeClr val="tx1"/>
+          </a:fontRef>
+        </p:style>
+      </p:cxnSp>
+      <p:cxnSp>
+        <p:nvCxnSpPr>
+          <p:cNvPr id="13" name="直接箭头连接符 12">
+            <a:extLst>
+              <a:ext uri="{FF2B5EF4-FFF2-40B4-BE49-F238E27FC236}">
+                <a16:creationId xmlns:a16="http://schemas.microsoft.com/office/drawing/2014/main" id="{A2B00841-6D41-4B2A-B629-B6FA9A10222F}"/>
+              </a:ext>
+            </a:extLst>
+          </p:cNvPr>
+          <p:cNvCxnSpPr>
+            <a:stCxn id="2" idx="4"/>
+            <a:endCxn id="4" idx="0"/>
+          </p:cNvCxnSpPr>
+          <p:nvPr/>
+        </p:nvCxnSpPr>
+        <p:spPr>
+          <a:xfrm>
+            <a:off x="5704114" y="668977"/>
+            <a:ext cx="0" cy="338446"/>
+          </a:xfrm>
+          <a:prstGeom prst="straightConnector1">
+            <a:avLst/>
+          </a:prstGeom>
+          <a:ln>
+            <a:tailEnd type="triangle"/>
+          </a:ln>
+        </p:spPr>
+        <p:style>
+          <a:lnRef idx="1">
+            <a:schemeClr val="accent1"/>
+          </a:lnRef>
+          <a:fillRef idx="0">
+            <a:schemeClr val="accent1"/>
+          </a:fillRef>
+          <a:effectRef idx="0">
+            <a:schemeClr val="accent1"/>
+          </a:effectRef>
+          <a:fontRef idx="minor">
+            <a:schemeClr val="tx1"/>
+          </a:fontRef>
+        </p:style>
+      </p:cxnSp>
+      <p:cxnSp>
+        <p:nvCxnSpPr>
+          <p:cNvPr id="16" name="直接箭头连接符 15">
+            <a:extLst>
+              <a:ext uri="{FF2B5EF4-FFF2-40B4-BE49-F238E27FC236}">
+                <a16:creationId xmlns:a16="http://schemas.microsoft.com/office/drawing/2014/main" id="{45F068E1-B147-404D-BD0C-B82A5A0D5625}"/>
+              </a:ext>
+            </a:extLst>
+          </p:cNvPr>
+          <p:cNvCxnSpPr>
+            <a:stCxn id="2" idx="4"/>
+            <a:endCxn id="5" idx="0"/>
+          </p:cNvCxnSpPr>
+          <p:nvPr/>
+        </p:nvCxnSpPr>
+        <p:spPr>
+          <a:xfrm>
+            <a:off x="5704114" y="668977"/>
+            <a:ext cx="3157846" cy="338446"/>
+          </a:xfrm>
+          <a:prstGeom prst="straightConnector1">
+            <a:avLst/>
+          </a:prstGeom>
+          <a:ln>
+            <a:tailEnd type="triangle"/>
+          </a:ln>
+        </p:spPr>
+        <p:style>
+          <a:lnRef idx="1">
+            <a:schemeClr val="accent1"/>
+          </a:lnRef>
+          <a:fillRef idx="0">
+            <a:schemeClr val="accent1"/>
+          </a:fillRef>
+          <a:effectRef idx="0">
+            <a:schemeClr val="accent1"/>
+          </a:effectRef>
+          <a:fontRef idx="minor">
+            <a:schemeClr val="tx1"/>
+          </a:fontRef>
+        </p:style>
+      </p:cxnSp>
+      <p:cxnSp>
+        <p:nvCxnSpPr>
+          <p:cNvPr id="19" name="直接箭头连接符 18">
+            <a:extLst>
+              <a:ext uri="{FF2B5EF4-FFF2-40B4-BE49-F238E27FC236}">
+                <a16:creationId xmlns:a16="http://schemas.microsoft.com/office/drawing/2014/main" id="{0FB558EE-26D5-479F-B9C9-FBE66C277FD3}"/>
+              </a:ext>
+            </a:extLst>
+          </p:cNvPr>
+          <p:cNvCxnSpPr>
+            <a:stCxn id="3" idx="4"/>
+            <a:endCxn id="6" idx="0"/>
+          </p:cNvCxnSpPr>
+          <p:nvPr/>
+        </p:nvCxnSpPr>
+        <p:spPr>
+          <a:xfrm flipH="1">
+            <a:off x="864920" y="1415142"/>
+            <a:ext cx="1681348" cy="904504"/>
+          </a:xfrm>
+          <a:prstGeom prst="straightConnector1">
+            <a:avLst/>
+          </a:prstGeom>
+          <a:ln>
+            <a:tailEnd type="triangle"/>
+          </a:ln>
+        </p:spPr>
+        <p:style>
+          <a:lnRef idx="1">
+            <a:schemeClr val="accent1"/>
+          </a:lnRef>
+          <a:fillRef idx="0">
+            <a:schemeClr val="accent1"/>
+          </a:fillRef>
+          <a:effectRef idx="0">
+            <a:schemeClr val="accent1"/>
+          </a:effectRef>
+          <a:fontRef idx="minor">
+            <a:schemeClr val="tx1"/>
+          </a:fontRef>
+        </p:style>
+      </p:cxnSp>
+      <p:cxnSp>
+        <p:nvCxnSpPr>
+          <p:cNvPr id="21" name="直接箭头连接符 20">
+            <a:extLst>
+              <a:ext uri="{FF2B5EF4-FFF2-40B4-BE49-F238E27FC236}">
+                <a16:creationId xmlns:a16="http://schemas.microsoft.com/office/drawing/2014/main" id="{014B1769-E5A9-42AD-A9A2-52AE66D090C5}"/>
+              </a:ext>
+            </a:extLst>
+          </p:cNvPr>
+          <p:cNvCxnSpPr>
+            <a:stCxn id="3" idx="4"/>
+            <a:endCxn id="7" idx="0"/>
+          </p:cNvCxnSpPr>
+          <p:nvPr/>
+        </p:nvCxnSpPr>
+        <p:spPr>
+          <a:xfrm flipH="1">
+            <a:off x="2544290" y="1415142"/>
+            <a:ext cx="1978" cy="904504"/>
+          </a:xfrm>
+          <a:prstGeom prst="straightConnector1">
+            <a:avLst/>
+          </a:prstGeom>
+          <a:ln>
+            <a:tailEnd type="triangle"/>
+          </a:ln>
+        </p:spPr>
+        <p:style>
+          <a:lnRef idx="1">
+            <a:schemeClr val="accent1"/>
+          </a:lnRef>
+          <a:fillRef idx="0">
+            <a:schemeClr val="accent1"/>
+          </a:fillRef>
+          <a:effectRef idx="0">
+            <a:schemeClr val="accent1"/>
+          </a:effectRef>
+          <a:fontRef idx="minor">
+            <a:schemeClr val="tx1"/>
+          </a:fontRef>
+        </p:style>
+      </p:cxnSp>
+      <p:cxnSp>
+        <p:nvCxnSpPr>
+          <p:cNvPr id="24" name="直接箭头连接符 23">
+            <a:extLst>
+              <a:ext uri="{FF2B5EF4-FFF2-40B4-BE49-F238E27FC236}">
+                <a16:creationId xmlns:a16="http://schemas.microsoft.com/office/drawing/2014/main" id="{6D2DB6AA-2F49-4F8D-90B0-7F4B9786D31F}"/>
+              </a:ext>
+            </a:extLst>
+          </p:cNvPr>
+          <p:cNvCxnSpPr>
+            <a:stCxn id="3" idx="4"/>
+            <a:endCxn id="9" idx="0"/>
+          </p:cNvCxnSpPr>
+          <p:nvPr/>
+        </p:nvCxnSpPr>
+        <p:spPr>
+          <a:xfrm>
+            <a:off x="2546268" y="1415142"/>
+            <a:ext cx="1642753" cy="904504"/>
+          </a:xfrm>
+          <a:prstGeom prst="straightConnector1">
+            <a:avLst/>
+          </a:prstGeom>
+          <a:ln>
+            <a:tailEnd type="triangle"/>
+          </a:ln>
+        </p:spPr>
+        <p:style>
+          <a:lnRef idx="1">
+            <a:schemeClr val="accent1"/>
+          </a:lnRef>
+          <a:fillRef idx="0">
+            <a:schemeClr val="accent1"/>
+          </a:fillRef>
+          <a:effectRef idx="0">
+            <a:schemeClr val="accent1"/>
+          </a:effectRef>
+          <a:fontRef idx="minor">
+            <a:schemeClr val="tx1"/>
+          </a:fontRef>
+        </p:style>
+      </p:cxnSp>
+      <p:sp>
+        <p:nvSpPr>
+          <p:cNvPr id="25" name="文本框 24">
+            <a:extLst>
+              <a:ext uri="{FF2B5EF4-FFF2-40B4-BE49-F238E27FC236}">
+                <a16:creationId xmlns:a16="http://schemas.microsoft.com/office/drawing/2014/main" id="{E29C7F87-4278-4B6E-AC1F-C060EBE4DD8E}"/>
+              </a:ext>
+            </a:extLst>
+          </p:cNvPr>
+          <p:cNvSpPr txBox="1"/>
+          <p:nvPr/>
+        </p:nvSpPr>
+        <p:spPr>
+          <a:xfrm>
+            <a:off x="5044044" y="2261895"/>
+            <a:ext cx="1549236" cy="523220"/>
+          </a:xfrm>
+          <a:prstGeom prst="rect">
+            <a:avLst/>
+          </a:prstGeom>
+          <a:noFill/>
+        </p:spPr>
+        <p:txBody>
+          <a:bodyPr wrap="square" rtlCol="0">
+            <a:spAutoFit/>
+          </a:bodyPr>
+          <a:lstStyle/>
+          <a:p>
+            <a:r>
+              <a:rPr lang="en-US" altLang="zh-CN" sz="2800" dirty="0">
+                <a:solidFill>
+                  <a:srgbClr val="002060"/>
+                </a:solidFill>
+              </a:rPr>
+              <a:t>················</a:t>
+            </a:r>
+            <a:endParaRPr lang="zh-CN" altLang="en-US" sz="2800" dirty="0">
+              <a:solidFill>
+                <a:srgbClr val="002060"/>
+              </a:solidFill>
+            </a:endParaRPr>
+          </a:p>
+        </p:txBody>
+      </p:sp>
+      <p:sp>
+        <p:nvSpPr>
+          <p:cNvPr id="26" name="文本框 25">
+            <a:extLst>
+              <a:ext uri="{FF2B5EF4-FFF2-40B4-BE49-F238E27FC236}">
+                <a16:creationId xmlns:a16="http://schemas.microsoft.com/office/drawing/2014/main" id="{0C569746-4E30-4708-A371-F30CE8442793}"/>
+              </a:ext>
+            </a:extLst>
+          </p:cNvPr>
+          <p:cNvSpPr txBox="1"/>
+          <p:nvPr/>
+        </p:nvSpPr>
+        <p:spPr>
+          <a:xfrm>
+            <a:off x="8160820" y="2261895"/>
+            <a:ext cx="1549236" cy="523220"/>
+          </a:xfrm>
+          <a:prstGeom prst="rect">
+            <a:avLst/>
+          </a:prstGeom>
+          <a:noFill/>
+        </p:spPr>
+        <p:txBody>
+          <a:bodyPr wrap="square" rtlCol="0">
+            <a:spAutoFit/>
+          </a:bodyPr>
+          <a:lstStyle/>
+          <a:p>
+            <a:r>
+              <a:rPr lang="en-US" altLang="zh-CN" sz="2800" dirty="0">
+                <a:solidFill>
+                  <a:srgbClr val="002060"/>
+                </a:solidFill>
+              </a:rPr>
+              <a:t>················</a:t>
+            </a:r>
+            <a:endParaRPr lang="zh-CN" altLang="en-US" sz="2800" dirty="0">
+              <a:solidFill>
+                <a:srgbClr val="002060"/>
+              </a:solidFill>
+            </a:endParaRPr>
+          </a:p>
+        </p:txBody>
+      </p:sp>
+    </p:spTree>
+    <p:extLst>
+      <p:ext uri="{BB962C8B-B14F-4D97-AF65-F5344CB8AC3E}">
+        <p14:creationId xmlns:p14="http://schemas.microsoft.com/office/powerpoint/2010/main" val="3911849295"/>
+      </p:ext>
+    </p:extLst>
+  </p:cSld>
+  <p:clrMapOvr>
+    <a:masterClrMapping/>
+  </p:clrMapOvr>
+</p:sld>
+</file>
+
 <file path=ppt/theme/theme1.xml><?xml version="1.0" encoding="utf-8"?>
 <a:theme xmlns:a="http://schemas.openxmlformats.org/drawingml/2006/main" name="Office 主题​​">
   <a:themeElements>

--- a/doc/例图.pptx
+++ b/doc/例图.pptx
@@ -5,9 +5,10 @@
     <p:sldMasterId id="2147483648" r:id="rId1"/>
   </p:sldMasterIdLst>
   <p:sldIdLst>
-    <p:sldId id="256" r:id="rId2"/>
-    <p:sldId id="257" r:id="rId3"/>
-    <p:sldId id="258" r:id="rId4"/>
+    <p:sldId id="259" r:id="rId2"/>
+    <p:sldId id="256" r:id="rId3"/>
+    <p:sldId id="257" r:id="rId4"/>
+    <p:sldId id="258" r:id="rId5"/>
   </p:sldIdLst>
   <p:sldSz cx="12192000" cy="6858000"/>
   <p:notesSz cx="6858000" cy="9144000"/>
@@ -261,7 +262,7 @@
           <a:p>
             <a:fld id="{48045B9F-A879-4380-B510-0030A9AB8EB6}" type="datetimeFigureOut">
               <a:rPr lang="zh-CN" altLang="en-US" smtClean="0"/>
-              <a:t>2025/10/7</a:t>
+              <a:t>2025/10/26</a:t>
             </a:fld>
             <a:endParaRPr lang="zh-CN" altLang="en-US"/>
           </a:p>
@@ -459,7 +460,7 @@
           <a:p>
             <a:fld id="{48045B9F-A879-4380-B510-0030A9AB8EB6}" type="datetimeFigureOut">
               <a:rPr lang="zh-CN" altLang="en-US" smtClean="0"/>
-              <a:t>2025/10/7</a:t>
+              <a:t>2025/10/26</a:t>
             </a:fld>
             <a:endParaRPr lang="zh-CN" altLang="en-US"/>
           </a:p>
@@ -667,7 +668,7 @@
           <a:p>
             <a:fld id="{48045B9F-A879-4380-B510-0030A9AB8EB6}" type="datetimeFigureOut">
               <a:rPr lang="zh-CN" altLang="en-US" smtClean="0"/>
-              <a:t>2025/10/7</a:t>
+              <a:t>2025/10/26</a:t>
             </a:fld>
             <a:endParaRPr lang="zh-CN" altLang="en-US"/>
           </a:p>
@@ -865,7 +866,7 @@
           <a:p>
             <a:fld id="{48045B9F-A879-4380-B510-0030A9AB8EB6}" type="datetimeFigureOut">
               <a:rPr lang="zh-CN" altLang="en-US" smtClean="0"/>
-              <a:t>2025/10/7</a:t>
+              <a:t>2025/10/26</a:t>
             </a:fld>
             <a:endParaRPr lang="zh-CN" altLang="en-US"/>
           </a:p>
@@ -1140,7 +1141,7 @@
           <a:p>
             <a:fld id="{48045B9F-A879-4380-B510-0030A9AB8EB6}" type="datetimeFigureOut">
               <a:rPr lang="zh-CN" altLang="en-US" smtClean="0"/>
-              <a:t>2025/10/7</a:t>
+              <a:t>2025/10/26</a:t>
             </a:fld>
             <a:endParaRPr lang="zh-CN" altLang="en-US"/>
           </a:p>
@@ -1405,7 +1406,7 @@
           <a:p>
             <a:fld id="{48045B9F-A879-4380-B510-0030A9AB8EB6}" type="datetimeFigureOut">
               <a:rPr lang="zh-CN" altLang="en-US" smtClean="0"/>
-              <a:t>2025/10/7</a:t>
+              <a:t>2025/10/26</a:t>
             </a:fld>
             <a:endParaRPr lang="zh-CN" altLang="en-US"/>
           </a:p>
@@ -1817,7 +1818,7 @@
           <a:p>
             <a:fld id="{48045B9F-A879-4380-B510-0030A9AB8EB6}" type="datetimeFigureOut">
               <a:rPr lang="zh-CN" altLang="en-US" smtClean="0"/>
-              <a:t>2025/10/7</a:t>
+              <a:t>2025/10/26</a:t>
             </a:fld>
             <a:endParaRPr lang="zh-CN" altLang="en-US"/>
           </a:p>
@@ -1958,7 +1959,7 @@
           <a:p>
             <a:fld id="{48045B9F-A879-4380-B510-0030A9AB8EB6}" type="datetimeFigureOut">
               <a:rPr lang="zh-CN" altLang="en-US" smtClean="0"/>
-              <a:t>2025/10/7</a:t>
+              <a:t>2025/10/26</a:t>
             </a:fld>
             <a:endParaRPr lang="zh-CN" altLang="en-US"/>
           </a:p>
@@ -2071,7 +2072,7 @@
           <a:p>
             <a:fld id="{48045B9F-A879-4380-B510-0030A9AB8EB6}" type="datetimeFigureOut">
               <a:rPr lang="zh-CN" altLang="en-US" smtClean="0"/>
-              <a:t>2025/10/7</a:t>
+              <a:t>2025/10/26</a:t>
             </a:fld>
             <a:endParaRPr lang="zh-CN" altLang="en-US"/>
           </a:p>
@@ -2382,7 +2383,7 @@
           <a:p>
             <a:fld id="{48045B9F-A879-4380-B510-0030A9AB8EB6}" type="datetimeFigureOut">
               <a:rPr lang="zh-CN" altLang="en-US" smtClean="0"/>
-              <a:t>2025/10/7</a:t>
+              <a:t>2025/10/26</a:t>
             </a:fld>
             <a:endParaRPr lang="zh-CN" altLang="en-US"/>
           </a:p>
@@ -2670,7 +2671,7 @@
           <a:p>
             <a:fld id="{48045B9F-A879-4380-B510-0030A9AB8EB6}" type="datetimeFigureOut">
               <a:rPr lang="zh-CN" altLang="en-US" smtClean="0"/>
-              <a:t>2025/10/7</a:t>
+              <a:t>2025/10/26</a:t>
             </a:fld>
             <a:endParaRPr lang="zh-CN" altLang="en-US"/>
           </a:p>
@@ -2911,7 +2912,7 @@
           <a:p>
             <a:fld id="{48045B9F-A879-4380-B510-0030A9AB8EB6}" type="datetimeFigureOut">
               <a:rPr lang="zh-CN" altLang="en-US" smtClean="0"/>
-              <a:t>2025/10/7</a:t>
+              <a:t>2025/10/26</a:t>
             </a:fld>
             <a:endParaRPr lang="zh-CN" altLang="en-US"/>
           </a:p>
@@ -3330,6 +3331,105 @@
       </p:grpSpPr>
       <p:sp>
         <p:nvSpPr>
+          <p:cNvPr id="2" name="矩形 1">
+            <a:extLst>
+              <a:ext uri="{FF2B5EF4-FFF2-40B4-BE49-F238E27FC236}">
+                <a16:creationId xmlns:a16="http://schemas.microsoft.com/office/drawing/2014/main" id="{A3B72484-C30E-4ED4-A8C6-EF3A04D4F793}"/>
+              </a:ext>
+            </a:extLst>
+          </p:cNvPr>
+          <p:cNvSpPr/>
+          <p:nvPr/>
+        </p:nvSpPr>
+        <p:spPr>
+          <a:xfrm>
+            <a:off x="550223" y="609600"/>
+            <a:ext cx="1056904" cy="1250867"/>
+          </a:xfrm>
+          <a:prstGeom prst="rect">
+            <a:avLst/>
+          </a:prstGeom>
+        </p:spPr>
+        <p:style>
+          <a:lnRef idx="2">
+            <a:schemeClr val="accent1">
+              <a:shade val="50000"/>
+            </a:schemeClr>
+          </a:lnRef>
+          <a:fillRef idx="1">
+            <a:schemeClr val="accent1"/>
+          </a:fillRef>
+          <a:effectRef idx="0">
+            <a:schemeClr val="accent1"/>
+          </a:effectRef>
+          <a:fontRef idx="minor">
+            <a:schemeClr val="lt1"/>
+          </a:fontRef>
+        </p:style>
+        <p:txBody>
+          <a:bodyPr rtlCol="0" anchor="ctr"/>
+          <a:lstStyle/>
+          <a:p>
+            <a:pPr algn="ctr"/>
+            <a:r>
+              <a:rPr lang="zh-CN" altLang="en-US" dirty="0"/>
+              <a:t>主界面</a:t>
+            </a:r>
+            <a:endParaRPr lang="en-US" altLang="zh-CN" dirty="0"/>
+          </a:p>
+          <a:p>
+            <a:pPr algn="ctr"/>
+            <a:endParaRPr lang="en-US" altLang="zh-CN" sz="1200" dirty="0"/>
+          </a:p>
+          <a:p>
+            <a:pPr algn="ctr"/>
+            <a:r>
+              <a:rPr lang="zh-CN" altLang="en-US" sz="1200" dirty="0"/>
+              <a:t>开始游戏</a:t>
+            </a:r>
+            <a:endParaRPr lang="en-US" altLang="zh-CN" sz="1200" dirty="0"/>
+          </a:p>
+          <a:p>
+            <a:pPr algn="ctr"/>
+            <a:r>
+              <a:rPr lang="zh-CN" altLang="en-US" sz="1200" dirty="0"/>
+              <a:t>设置</a:t>
+            </a:r>
+          </a:p>
+        </p:txBody>
+      </p:sp>
+    </p:spTree>
+    <p:extLst>
+      <p:ext uri="{BB962C8B-B14F-4D97-AF65-F5344CB8AC3E}">
+        <p14:creationId xmlns:p14="http://schemas.microsoft.com/office/powerpoint/2010/main" val="3260113408"/>
+      </p:ext>
+    </p:extLst>
+  </p:cSld>
+  <p:clrMapOvr>
+    <a:masterClrMapping/>
+  </p:clrMapOvr>
+</p:sld>
+</file>
+
+<file path=ppt/slides/slide2.xml><?xml version="1.0" encoding="utf-8"?>
+<p:sld xmlns:a="http://schemas.openxmlformats.org/drawingml/2006/main" xmlns:r="http://schemas.openxmlformats.org/officeDocument/2006/relationships" xmlns:p="http://schemas.openxmlformats.org/presentationml/2006/main">
+  <p:cSld>
+    <p:spTree>
+      <p:nvGrpSpPr>
+        <p:cNvPr id="1" name=""/>
+        <p:cNvGrpSpPr/>
+        <p:nvPr/>
+      </p:nvGrpSpPr>
+      <p:grpSpPr>
+        <a:xfrm>
+          <a:off x="0" y="0"/>
+          <a:ext cx="0" cy="0"/>
+          <a:chOff x="0" y="0"/>
+          <a:chExt cx="0" cy="0"/>
+        </a:xfrm>
+      </p:grpSpPr>
+      <p:sp>
+        <p:nvSpPr>
           <p:cNvPr id="4" name="矩形: 圆角 3">
             <a:extLst>
               <a:ext uri="{FF2B5EF4-FFF2-40B4-BE49-F238E27FC236}">
@@ -4256,7 +4356,7 @@
 </p:sld>
 </file>
 
-<file path=ppt/slides/slide2.xml><?xml version="1.0" encoding="utf-8"?>
+<file path=ppt/slides/slide3.xml><?xml version="1.0" encoding="utf-8"?>
 <p:sld xmlns:a="http://schemas.openxmlformats.org/drawingml/2006/main" xmlns:r="http://schemas.openxmlformats.org/officeDocument/2006/relationships" xmlns:p="http://schemas.openxmlformats.org/presentationml/2006/main">
   <p:cSld>
     <p:spTree>
@@ -4700,7 +4800,7 @@
 </p:sld>
 </file>
 
-<file path=ppt/slides/slide3.xml><?xml version="1.0" encoding="utf-8"?>
+<file path=ppt/slides/slide4.xml><?xml version="1.0" encoding="utf-8"?>
 <p:sld xmlns:a="http://schemas.openxmlformats.org/drawingml/2006/main" xmlns:r="http://schemas.openxmlformats.org/officeDocument/2006/relationships" xmlns:p="http://schemas.openxmlformats.org/presentationml/2006/main">
   <p:cSld>
     <p:spTree>

--- a/doc/例图.pptx
+++ b/doc/例图.pptx
@@ -9,6 +9,7 @@
     <p:sldId id="256" r:id="rId3"/>
     <p:sldId id="257" r:id="rId4"/>
     <p:sldId id="258" r:id="rId5"/>
+    <p:sldId id="260" r:id="rId6"/>
   </p:sldIdLst>
   <p:sldSz cx="12192000" cy="6858000"/>
   <p:notesSz cx="6858000" cy="9144000"/>
@@ -5583,6 +5584,465 @@
 </p:sld>
 </file>
 
+<file path=ppt/slides/slide5.xml><?xml version="1.0" encoding="utf-8"?>
+<p:sld xmlns:a="http://schemas.openxmlformats.org/drawingml/2006/main" xmlns:r="http://schemas.openxmlformats.org/officeDocument/2006/relationships" xmlns:p="http://schemas.openxmlformats.org/presentationml/2006/main">
+  <p:cSld>
+    <p:spTree>
+      <p:nvGrpSpPr>
+        <p:cNvPr id="1" name=""/>
+        <p:cNvGrpSpPr/>
+        <p:nvPr/>
+      </p:nvGrpSpPr>
+      <p:grpSpPr>
+        <a:xfrm>
+          <a:off x="0" y="0"/>
+          <a:ext cx="0" cy="0"/>
+          <a:chOff x="0" y="0"/>
+          <a:chExt cx="0" cy="0"/>
+        </a:xfrm>
+      </p:grpSpPr>
+      <p:sp>
+        <p:nvSpPr>
+          <p:cNvPr id="2" name="矩形: 圆角 1">
+            <a:extLst>
+              <a:ext uri="{FF2B5EF4-FFF2-40B4-BE49-F238E27FC236}">
+                <a16:creationId xmlns:a16="http://schemas.microsoft.com/office/drawing/2014/main" id="{36203F24-4F0F-49B6-A3AB-3B447590F003}"/>
+              </a:ext>
+            </a:extLst>
+          </p:cNvPr>
+          <p:cNvSpPr/>
+          <p:nvPr/>
+        </p:nvSpPr>
+        <p:spPr>
+          <a:xfrm>
+            <a:off x="2017404" y="3132397"/>
+            <a:ext cx="1212685" cy="512618"/>
+          </a:xfrm>
+          <a:prstGeom prst="roundRect">
+            <a:avLst/>
+          </a:prstGeom>
+        </p:spPr>
+        <p:style>
+          <a:lnRef idx="2">
+            <a:schemeClr val="accent1">
+              <a:shade val="50000"/>
+            </a:schemeClr>
+          </a:lnRef>
+          <a:fillRef idx="1">
+            <a:schemeClr val="accent1"/>
+          </a:fillRef>
+          <a:effectRef idx="0">
+            <a:schemeClr val="accent1"/>
+          </a:effectRef>
+          <a:fontRef idx="minor">
+            <a:schemeClr val="lt1"/>
+          </a:fontRef>
+        </p:style>
+        <p:txBody>
+          <a:bodyPr rtlCol="0" anchor="ctr"/>
+          <a:lstStyle/>
+          <a:p>
+            <a:pPr algn="ctr"/>
+            <a:r>
+              <a:rPr lang="en-US" altLang="zh-CN" b="1" dirty="0"/>
+              <a:t>Fray</a:t>
+            </a:r>
+            <a:r>
+              <a:rPr lang="zh-CN" altLang="en-US" b="1" dirty="0"/>
+              <a:t>输入模块</a:t>
+            </a:r>
+          </a:p>
+        </p:txBody>
+      </p:sp>
+      <p:sp>
+        <p:nvSpPr>
+          <p:cNvPr id="3" name="矩形: 圆角 2">
+            <a:extLst>
+              <a:ext uri="{FF2B5EF4-FFF2-40B4-BE49-F238E27FC236}">
+                <a16:creationId xmlns:a16="http://schemas.microsoft.com/office/drawing/2014/main" id="{5A281FCD-7EDF-4512-8E04-0736DF94397F}"/>
+              </a:ext>
+            </a:extLst>
+          </p:cNvPr>
+          <p:cNvSpPr/>
+          <p:nvPr/>
+        </p:nvSpPr>
+        <p:spPr>
+          <a:xfrm>
+            <a:off x="3822864" y="1292575"/>
+            <a:ext cx="1544782" cy="512618"/>
+          </a:xfrm>
+          <a:prstGeom prst="roundRect">
+            <a:avLst/>
+          </a:prstGeom>
+        </p:spPr>
+        <p:style>
+          <a:lnRef idx="2">
+            <a:schemeClr val="accent1">
+              <a:shade val="50000"/>
+            </a:schemeClr>
+          </a:lnRef>
+          <a:fillRef idx="1">
+            <a:schemeClr val="accent1"/>
+          </a:fillRef>
+          <a:effectRef idx="0">
+            <a:schemeClr val="accent1"/>
+          </a:effectRef>
+          <a:fontRef idx="minor">
+            <a:schemeClr val="lt1"/>
+          </a:fontRef>
+        </p:style>
+        <p:txBody>
+          <a:bodyPr rtlCol="0" anchor="ctr"/>
+          <a:lstStyle/>
+          <a:p>
+            <a:pPr algn="ctr"/>
+            <a:r>
+              <a:rPr lang="en-US" altLang="zh-CN" b="1" dirty="0"/>
+              <a:t>Fray</a:t>
+            </a:r>
+            <a:r>
+              <a:rPr lang="zh-CN" altLang="en-US" b="1" dirty="0"/>
+              <a:t>状态机</a:t>
+            </a:r>
+          </a:p>
+        </p:txBody>
+      </p:sp>
+      <p:sp>
+        <p:nvSpPr>
+          <p:cNvPr id="4" name="矩形: 圆角 3">
+            <a:extLst>
+              <a:ext uri="{FF2B5EF4-FFF2-40B4-BE49-F238E27FC236}">
+                <a16:creationId xmlns:a16="http://schemas.microsoft.com/office/drawing/2014/main" id="{0CC19D44-C85C-4E1B-B9A7-DFFF87E5833C}"/>
+              </a:ext>
+            </a:extLst>
+          </p:cNvPr>
+          <p:cNvSpPr/>
+          <p:nvPr/>
+        </p:nvSpPr>
+        <p:spPr>
+          <a:xfrm>
+            <a:off x="5832762" y="3132397"/>
+            <a:ext cx="1212685" cy="512618"/>
+          </a:xfrm>
+          <a:prstGeom prst="roundRect">
+            <a:avLst/>
+          </a:prstGeom>
+        </p:spPr>
+        <p:style>
+          <a:lnRef idx="2">
+            <a:schemeClr val="accent1">
+              <a:shade val="50000"/>
+            </a:schemeClr>
+          </a:lnRef>
+          <a:fillRef idx="1">
+            <a:schemeClr val="accent1"/>
+          </a:fillRef>
+          <a:effectRef idx="0">
+            <a:schemeClr val="accent1"/>
+          </a:effectRef>
+          <a:fontRef idx="minor">
+            <a:schemeClr val="lt1"/>
+          </a:fontRef>
+        </p:style>
+        <p:txBody>
+          <a:bodyPr rtlCol="0" anchor="ctr"/>
+          <a:lstStyle/>
+          <a:p>
+            <a:pPr algn="ctr"/>
+            <a:r>
+              <a:rPr lang="en-US" altLang="zh-CN" b="1" dirty="0"/>
+              <a:t>Fray</a:t>
+            </a:r>
+            <a:r>
+              <a:rPr lang="zh-CN" altLang="en-US" b="1" dirty="0"/>
+              <a:t>判定模块</a:t>
+            </a:r>
+          </a:p>
+        </p:txBody>
+      </p:sp>
+      <p:cxnSp>
+        <p:nvCxnSpPr>
+          <p:cNvPr id="8" name="直接箭头连接符 7">
+            <a:extLst>
+              <a:ext uri="{FF2B5EF4-FFF2-40B4-BE49-F238E27FC236}">
+                <a16:creationId xmlns:a16="http://schemas.microsoft.com/office/drawing/2014/main" id="{151DA0E7-6336-4254-B1CA-9122890CE839}"/>
+              </a:ext>
+            </a:extLst>
+          </p:cNvPr>
+          <p:cNvCxnSpPr>
+            <a:cxnSpLocks/>
+          </p:cNvCxnSpPr>
+          <p:nvPr/>
+        </p:nvCxnSpPr>
+        <p:spPr>
+          <a:xfrm rot="20810318" flipV="1">
+            <a:off x="2655281" y="2039173"/>
+            <a:ext cx="1250868" cy="851065"/>
+          </a:xfrm>
+          <a:prstGeom prst="straightConnector1">
+            <a:avLst/>
+          </a:prstGeom>
+          <a:ln>
+            <a:tailEnd type="triangle"/>
+          </a:ln>
+        </p:spPr>
+        <p:style>
+          <a:lnRef idx="1">
+            <a:schemeClr val="accent1"/>
+          </a:lnRef>
+          <a:fillRef idx="0">
+            <a:schemeClr val="accent1"/>
+          </a:fillRef>
+          <a:effectRef idx="0">
+            <a:schemeClr val="accent1"/>
+          </a:effectRef>
+          <a:fontRef idx="minor">
+            <a:schemeClr val="tx1"/>
+          </a:fontRef>
+        </p:style>
+      </p:cxnSp>
+      <p:grpSp>
+        <p:nvGrpSpPr>
+          <p:cNvPr id="17" name="组合 16">
+            <a:extLst>
+              <a:ext uri="{FF2B5EF4-FFF2-40B4-BE49-F238E27FC236}">
+                <a16:creationId xmlns:a16="http://schemas.microsoft.com/office/drawing/2014/main" id="{AAF8F9CB-CD0A-49CF-A7B8-749934BAA858}"/>
+              </a:ext>
+            </a:extLst>
+          </p:cNvPr>
+          <p:cNvGrpSpPr/>
+          <p:nvPr/>
+        </p:nvGrpSpPr>
+        <p:grpSpPr>
+          <a:xfrm rot="5028416">
+            <a:off x="5160874" y="1893109"/>
+            <a:ext cx="1381497" cy="997528"/>
+            <a:chOff x="5563589" y="1432955"/>
+            <a:chExt cx="1381497" cy="997528"/>
+          </a:xfrm>
+        </p:grpSpPr>
+        <p:cxnSp>
+          <p:nvCxnSpPr>
+            <p:cNvPr id="15" name="直接箭头连接符 14">
+              <a:extLst>
+                <a:ext uri="{FF2B5EF4-FFF2-40B4-BE49-F238E27FC236}">
+                  <a16:creationId xmlns:a16="http://schemas.microsoft.com/office/drawing/2014/main" id="{21C02D70-F9BB-4C35-8C41-09D1E3A7B79B}"/>
+                </a:ext>
+              </a:extLst>
+            </p:cNvPr>
+            <p:cNvCxnSpPr/>
+            <p:nvPr/>
+          </p:nvCxnSpPr>
+          <p:spPr>
+            <a:xfrm flipH="1">
+              <a:off x="5563589" y="1432955"/>
+              <a:ext cx="1306286" cy="870858"/>
+            </a:xfrm>
+            <a:prstGeom prst="straightConnector1">
+              <a:avLst/>
+            </a:prstGeom>
+            <a:ln>
+              <a:tailEnd type="triangle"/>
+            </a:ln>
+          </p:spPr>
+          <p:style>
+            <a:lnRef idx="1">
+              <a:schemeClr val="accent1"/>
+            </a:lnRef>
+            <a:fillRef idx="0">
+              <a:schemeClr val="accent1"/>
+            </a:fillRef>
+            <a:effectRef idx="0">
+              <a:schemeClr val="accent1"/>
+            </a:effectRef>
+            <a:fontRef idx="minor">
+              <a:schemeClr val="tx1"/>
+            </a:fontRef>
+          </p:style>
+        </p:cxnSp>
+        <p:cxnSp>
+          <p:nvCxnSpPr>
+            <p:cNvPr id="16" name="直接箭头连接符 15">
+              <a:extLst>
+                <a:ext uri="{FF2B5EF4-FFF2-40B4-BE49-F238E27FC236}">
+                  <a16:creationId xmlns:a16="http://schemas.microsoft.com/office/drawing/2014/main" id="{900E236D-0E63-4E72-9C48-C34F259CAE4D}"/>
+                </a:ext>
+              </a:extLst>
+            </p:cNvPr>
+            <p:cNvCxnSpPr>
+              <a:cxnSpLocks/>
+            </p:cNvCxnSpPr>
+            <p:nvPr/>
+          </p:nvCxnSpPr>
+          <p:spPr>
+            <a:xfrm flipV="1">
+              <a:off x="5694218" y="1579418"/>
+              <a:ext cx="1250868" cy="851065"/>
+            </a:xfrm>
+            <a:prstGeom prst="straightConnector1">
+              <a:avLst/>
+            </a:prstGeom>
+            <a:ln>
+              <a:tailEnd type="triangle"/>
+            </a:ln>
+          </p:spPr>
+          <p:style>
+            <a:lnRef idx="1">
+              <a:schemeClr val="accent1"/>
+            </a:lnRef>
+            <a:fillRef idx="0">
+              <a:schemeClr val="accent1"/>
+            </a:fillRef>
+            <a:effectRef idx="0">
+              <a:schemeClr val="accent1"/>
+            </a:effectRef>
+            <a:fontRef idx="minor">
+              <a:schemeClr val="tx1"/>
+            </a:fontRef>
+          </p:style>
+        </p:cxnSp>
+      </p:grpSp>
+      <p:sp>
+        <p:nvSpPr>
+          <p:cNvPr id="19" name="文本框 18">
+            <a:extLst>
+              <a:ext uri="{FF2B5EF4-FFF2-40B4-BE49-F238E27FC236}">
+                <a16:creationId xmlns:a16="http://schemas.microsoft.com/office/drawing/2014/main" id="{1B5AE5E3-7224-4961-81CB-ED70E24E4493}"/>
+              </a:ext>
+            </a:extLst>
+          </p:cNvPr>
+          <p:cNvSpPr txBox="1"/>
+          <p:nvPr/>
+        </p:nvSpPr>
+        <p:spPr>
+          <a:xfrm>
+            <a:off x="2437323" y="2049207"/>
+            <a:ext cx="874815" cy="415498"/>
+          </a:xfrm>
+          <a:prstGeom prst="rect">
+            <a:avLst/>
+          </a:prstGeom>
+          <a:noFill/>
+        </p:spPr>
+        <p:txBody>
+          <a:bodyPr wrap="square" rtlCol="0">
+            <a:spAutoFit/>
+          </a:bodyPr>
+          <a:lstStyle/>
+          <a:p>
+            <a:pPr algn="ctr"/>
+            <a:r>
+              <a:rPr lang="zh-CN" altLang="en-US" sz="1050" dirty="0">
+                <a:solidFill>
+                  <a:srgbClr val="002060"/>
+                </a:solidFill>
+              </a:rPr>
+              <a:t>输入触发的状态转换</a:t>
+            </a:r>
+          </a:p>
+        </p:txBody>
+      </p:sp>
+      <p:sp>
+        <p:nvSpPr>
+          <p:cNvPr id="20" name="文本框 19">
+            <a:extLst>
+              <a:ext uri="{FF2B5EF4-FFF2-40B4-BE49-F238E27FC236}">
+                <a16:creationId xmlns:a16="http://schemas.microsoft.com/office/drawing/2014/main" id="{B5C060BD-88A3-4018-BB7E-4CDEA0FEC3AF}"/>
+              </a:ext>
+            </a:extLst>
+          </p:cNvPr>
+          <p:cNvSpPr txBox="1"/>
+          <p:nvPr/>
+        </p:nvSpPr>
+        <p:spPr>
+          <a:xfrm>
+            <a:off x="4620870" y="2347654"/>
+            <a:ext cx="1092114" cy="577081"/>
+          </a:xfrm>
+          <a:prstGeom prst="rect">
+            <a:avLst/>
+          </a:prstGeom>
+          <a:noFill/>
+        </p:spPr>
+        <p:txBody>
+          <a:bodyPr wrap="square" rtlCol="0">
+            <a:spAutoFit/>
+          </a:bodyPr>
+          <a:lstStyle/>
+          <a:p>
+            <a:pPr algn="ctr"/>
+            <a:r>
+              <a:rPr lang="en-US" altLang="zh-CN" sz="1050" dirty="0" err="1">
+                <a:solidFill>
+                  <a:srgbClr val="002060"/>
+                </a:solidFill>
+              </a:rPr>
+              <a:t>AniamtionPlayer</a:t>
+            </a:r>
+            <a:r>
+              <a:rPr lang="zh-CN" altLang="en-US" sz="1050" dirty="0">
+                <a:solidFill>
+                  <a:srgbClr val="002060"/>
+                </a:solidFill>
+              </a:rPr>
+              <a:t>节点播放动画、激活判定框</a:t>
+            </a:r>
+          </a:p>
+        </p:txBody>
+      </p:sp>
+      <p:sp>
+        <p:nvSpPr>
+          <p:cNvPr id="21" name="文本框 20">
+            <a:extLst>
+              <a:ext uri="{FF2B5EF4-FFF2-40B4-BE49-F238E27FC236}">
+                <a16:creationId xmlns:a16="http://schemas.microsoft.com/office/drawing/2014/main" id="{CFAEBCAB-DB3D-426B-B1DE-AFB58048BDA1}"/>
+              </a:ext>
+            </a:extLst>
+          </p:cNvPr>
+          <p:cNvSpPr txBox="1"/>
+          <p:nvPr/>
+        </p:nvSpPr>
+        <p:spPr>
+          <a:xfrm>
+            <a:off x="5897788" y="1869140"/>
+            <a:ext cx="1255862" cy="415498"/>
+          </a:xfrm>
+          <a:prstGeom prst="rect">
+            <a:avLst/>
+          </a:prstGeom>
+          <a:noFill/>
+        </p:spPr>
+        <p:txBody>
+          <a:bodyPr wrap="square" rtlCol="0">
+            <a:spAutoFit/>
+          </a:bodyPr>
+          <a:lstStyle/>
+          <a:p>
+            <a:pPr algn="ctr"/>
+            <a:r>
+              <a:rPr lang="zh-CN" altLang="en-US" sz="1050" dirty="0">
+                <a:solidFill>
+                  <a:srgbClr val="002060"/>
+                </a:solidFill>
+              </a:rPr>
+              <a:t>受击判定信号，允许后续动作取消</a:t>
+            </a:r>
+          </a:p>
+        </p:txBody>
+      </p:sp>
+    </p:spTree>
+    <p:extLst>
+      <p:ext uri="{BB962C8B-B14F-4D97-AF65-F5344CB8AC3E}">
+        <p14:creationId xmlns:p14="http://schemas.microsoft.com/office/powerpoint/2010/main" val="3418258970"/>
+      </p:ext>
+    </p:extLst>
+  </p:cSld>
+  <p:clrMapOvr>
+    <a:masterClrMapping/>
+  </p:clrMapOvr>
+</p:sld>
+</file>
+
 <file path=ppt/theme/theme1.xml><?xml version="1.0" encoding="utf-8"?>
 <a:theme xmlns:a="http://schemas.openxmlformats.org/drawingml/2006/main" name="Office 主题​​">
   <a:themeElements>
